--- a/Daily Agendas/Day1.2_FirstDay.pptx
+++ b/Daily Agendas/Day1.2_FirstDay.pptx
@@ -108,7 +108,7 @@
   </p:defaultTextStyle>
   <p:extLst>
     <p:ext uri="{EFAFB233-063F-42B5-8137-9DF3F51BA10A}">
-      <p15:sldGuideLst xmlns="" xmlns:p15="http://schemas.microsoft.com/office/powerpoint/2012/main">
+      <p15:sldGuideLst xmlns:p15="http://schemas.microsoft.com/office/powerpoint/2012/main">
         <p15:guide id="1" orient="horz" pos="2160">
           <p15:clr>
             <a:srgbClr val="A4A3A4"/>
@@ -305,7 +305,7 @@
             <a:fld id="{1D8BD707-D9CF-40AE-B4C6-C98DA3205C09}" type="datetimeFigureOut">
               <a:rPr lang="en-US" smtClean="0"/>
               <a:pPr/>
-              <a:t>8/31/2019</a:t>
+              <a:t>9/3/2019</a:t>
             </a:fld>
             <a:endParaRPr lang="en-US"/>
           </a:p>
@@ -470,7 +470,7 @@
             <a:fld id="{1D8BD707-D9CF-40AE-B4C6-C98DA3205C09}" type="datetimeFigureOut">
               <a:rPr lang="en-US" smtClean="0"/>
               <a:pPr/>
-              <a:t>8/31/2019</a:t>
+              <a:t>9/3/2019</a:t>
             </a:fld>
             <a:endParaRPr lang="en-US"/>
           </a:p>
@@ -645,7 +645,7 @@
             <a:fld id="{1D8BD707-D9CF-40AE-B4C6-C98DA3205C09}" type="datetimeFigureOut">
               <a:rPr lang="en-US" smtClean="0"/>
               <a:pPr/>
-              <a:t>8/31/2019</a:t>
+              <a:t>9/3/2019</a:t>
             </a:fld>
             <a:endParaRPr lang="en-US"/>
           </a:p>
@@ -810,7 +810,7 @@
             <a:fld id="{1D8BD707-D9CF-40AE-B4C6-C98DA3205C09}" type="datetimeFigureOut">
               <a:rPr lang="en-US" smtClean="0"/>
               <a:pPr/>
-              <a:t>8/31/2019</a:t>
+              <a:t>9/3/2019</a:t>
             </a:fld>
             <a:endParaRPr lang="en-US"/>
           </a:p>
@@ -1052,7 +1052,7 @@
             <a:fld id="{1D8BD707-D9CF-40AE-B4C6-C98DA3205C09}" type="datetimeFigureOut">
               <a:rPr lang="en-US" smtClean="0"/>
               <a:pPr/>
-              <a:t>8/31/2019</a:t>
+              <a:t>9/3/2019</a:t>
             </a:fld>
             <a:endParaRPr lang="en-US"/>
           </a:p>
@@ -1334,7 +1334,7 @@
             <a:fld id="{1D8BD707-D9CF-40AE-B4C6-C98DA3205C09}" type="datetimeFigureOut">
               <a:rPr lang="en-US" smtClean="0"/>
               <a:pPr/>
-              <a:t>8/31/2019</a:t>
+              <a:t>9/3/2019</a:t>
             </a:fld>
             <a:endParaRPr lang="en-US"/>
           </a:p>
@@ -1750,7 +1750,7 @@
             <a:fld id="{1D8BD707-D9CF-40AE-B4C6-C98DA3205C09}" type="datetimeFigureOut">
               <a:rPr lang="en-US" smtClean="0"/>
               <a:pPr/>
-              <a:t>8/31/2019</a:t>
+              <a:t>9/3/2019</a:t>
             </a:fld>
             <a:endParaRPr lang="en-US"/>
           </a:p>
@@ -1864,7 +1864,7 @@
             <a:fld id="{1D8BD707-D9CF-40AE-B4C6-C98DA3205C09}" type="datetimeFigureOut">
               <a:rPr lang="en-US" smtClean="0"/>
               <a:pPr/>
-              <a:t>8/31/2019</a:t>
+              <a:t>9/3/2019</a:t>
             </a:fld>
             <a:endParaRPr lang="en-US"/>
           </a:p>
@@ -1956,7 +1956,7 @@
             <a:fld id="{1D8BD707-D9CF-40AE-B4C6-C98DA3205C09}" type="datetimeFigureOut">
               <a:rPr lang="en-US" smtClean="0"/>
               <a:pPr/>
-              <a:t>8/31/2019</a:t>
+              <a:t>9/3/2019</a:t>
             </a:fld>
             <a:endParaRPr lang="en-US"/>
           </a:p>
@@ -2228,7 +2228,7 @@
             <a:fld id="{1D8BD707-D9CF-40AE-B4C6-C98DA3205C09}" type="datetimeFigureOut">
               <a:rPr lang="en-US" smtClean="0"/>
               <a:pPr/>
-              <a:t>8/31/2019</a:t>
+              <a:t>9/3/2019</a:t>
             </a:fld>
             <a:endParaRPr lang="en-US"/>
           </a:p>
@@ -2477,7 +2477,7 @@
             <a:fld id="{1D8BD707-D9CF-40AE-B4C6-C98DA3205C09}" type="datetimeFigureOut">
               <a:rPr lang="en-US" smtClean="0"/>
               <a:pPr/>
-              <a:t>8/31/2019</a:t>
+              <a:t>9/3/2019</a:t>
             </a:fld>
             <a:endParaRPr lang="en-US"/>
           </a:p>
@@ -2685,7 +2685,7 @@
             <a:fld id="{1D8BD707-D9CF-40AE-B4C6-C98DA3205C09}" type="datetimeFigureOut">
               <a:rPr lang="en-US" smtClean="0"/>
               <a:pPr/>
-              <a:t>8/31/2019</a:t>
+              <a:t>9/3/2019</a:t>
             </a:fld>
             <a:endParaRPr lang="en-US"/>
           </a:p>
@@ -3075,7 +3075,11 @@
           <a:p>
             <a:r>
               <a:rPr lang="en-US" sz="5300" dirty="0" smtClean="0"/>
-              <a:t>ICS3C0 / ICS4C0</a:t>
+              <a:t>ICS2O0 / ICS3C0 </a:t>
+            </a:r>
+            <a:r>
+              <a:rPr lang="en-US" sz="5300" dirty="0" smtClean="0"/>
+              <a:t>/ ICS4C0</a:t>
             </a:r>
             <a:r>
               <a:rPr lang="en-US" sz="5300" dirty="0"/>
@@ -3094,7 +3098,11 @@
             </a:r>
             <a:r>
               <a:rPr lang="en-US" sz="4000" dirty="0" smtClean="0"/>
-              <a:t>11 / 12 </a:t>
+              <a:t>10 / 11 </a:t>
+            </a:r>
+            <a:r>
+              <a:rPr lang="en-US" sz="4000" dirty="0" smtClean="0"/>
+              <a:t>/ 12 </a:t>
             </a:r>
             <a:r>
               <a:rPr lang="en-US" sz="4000" dirty="0"/>
@@ -3216,7 +3224,7 @@
         <p:spPr/>
         <p:txBody>
           <a:bodyPr>
-            <a:normAutofit/>
+            <a:normAutofit lnSpcReduction="10000"/>
           </a:bodyPr>
           <a:lstStyle/>
           <a:p>
@@ -3273,20 +3281,43 @@
             <a:pPr lvl="1"/>
             <a:r>
               <a:rPr lang="en-US" dirty="0" smtClean="0"/>
-              <a:t>Tomorrow: C.1 </a:t>
-            </a:r>
-            <a:r>
-              <a:rPr lang="en-US" dirty="0" err="1" smtClean="0"/>
+              <a:t>Tomorrow: </a:t>
+            </a:r>
+            <a:r>
+              <a:rPr lang="en-US" dirty="0" smtClean="0"/>
+              <a:t>B.1 Simon </a:t>
+            </a:r>
+            <a:r>
+              <a:rPr lang="en-US" dirty="0" smtClean="0"/>
+              <a:t>Game </a:t>
+            </a:r>
+            <a:r>
+              <a:rPr lang="en-US" dirty="0" smtClean="0"/>
+              <a:t>Icebreaker (10 /11)</a:t>
+            </a:r>
+          </a:p>
+          <a:p>
+            <a:pPr lvl="1"/>
+            <a:r>
+              <a:rPr lang="en-US" dirty="0"/>
+              <a:t>Tomorrow: B.1 </a:t>
+            </a:r>
+            <a:r>
+              <a:rPr lang="en-US" dirty="0" err="1"/>
               <a:t>Nethack</a:t>
             </a:r>
             <a:r>
+              <a:rPr lang="en-US" dirty="0"/>
+              <a:t> Game </a:t>
+            </a:r>
+            <a:r>
               <a:rPr lang="en-US" dirty="0" smtClean="0"/>
-              <a:t> </a:t>
-            </a:r>
-            <a:r>
-              <a:rPr lang="en-US" dirty="0" smtClean="0"/>
-              <a:t>Game Icebreaker</a:t>
-            </a:r>
+              <a:t>Icebreaker (12)</a:t>
+            </a:r>
+            <a:endParaRPr lang="en-US" dirty="0"/>
+          </a:p>
+          <a:p>
+            <a:pPr lvl="1"/>
             <a:endParaRPr lang="en-US" dirty="0"/>
           </a:p>
         </p:txBody>
@@ -3344,7 +3375,7 @@
           <p:cNvPr id="5" name="Content Placeholder 4">
             <a:extLst>
               <a:ext uri="{FF2B5EF4-FFF2-40B4-BE49-F238E27FC236}">
-                <a16:creationId xmlns="" xmlns:a16="http://schemas.microsoft.com/office/drawing/2014/main" id="{1FD59CF5-544F-4381-8D1F-CFD048DE386B}"/>
+                <a16:creationId xmlns:a16="http://schemas.microsoft.com/office/drawing/2014/main" xmlns="" id="{1FD59CF5-544F-4381-8D1F-CFD048DE386B}"/>
               </a:ext>
             </a:extLst>
           </p:cNvPr>
@@ -3369,7 +3400,7 @@
           <p:cNvPr id="6" name="Picture 5">
             <a:extLst>
               <a:ext uri="{FF2B5EF4-FFF2-40B4-BE49-F238E27FC236}">
-                <a16:creationId xmlns="" xmlns:a16="http://schemas.microsoft.com/office/drawing/2014/main" id="{6D9CF853-1FCE-468A-893F-641B22DED71B}"/>
+                <a16:creationId xmlns:a16="http://schemas.microsoft.com/office/drawing/2014/main" xmlns="" id="{6D9CF853-1FCE-468A-893F-641B22DED71B}"/>
               </a:ext>
             </a:extLst>
           </p:cNvPr>
@@ -3397,7 +3428,7 @@
     </p:spTree>
     <p:extLst>
       <p:ext uri="{BB962C8B-B14F-4D97-AF65-F5344CB8AC3E}">
-        <p14:creationId xmlns="" xmlns:p14="http://schemas.microsoft.com/office/powerpoint/2010/main" val="1361962594"/>
+        <p14:creationId xmlns:p14="http://schemas.microsoft.com/office/powerpoint/2010/main" val="1361962594"/>
       </p:ext>
     </p:extLst>
   </p:cSld>
